--- a/toolkit/assessments/phone-interview-training-presentation.pptx
+++ b/toolkit/assessments/phone-interview-training-presentation.pptx
@@ -59,14 +59,14 @@
       <p:boldItalic r:id="rId40"/>
     </p:embeddedFont>
     <p:embeddedFont>
-      <p:font typeface="Merriweather" pitchFamily="2" charset="77"/>
+      <p:font typeface="Merriweather" panose="02060503050406030704" pitchFamily="18" charset="0"/>
       <p:regular r:id="rId41"/>
       <p:bold r:id="rId42"/>
       <p:italic r:id="rId43"/>
       <p:boldItalic r:id="rId44"/>
     </p:embeddedFont>
     <p:embeddedFont>
-      <p:font typeface="Merriweather Sans" pitchFamily="2" charset="77"/>
+      <p:font typeface="Merriweather Sans" panose="02060503050406030704" pitchFamily="18" charset="0"/>
       <p:regular r:id="rId45"/>
       <p:bold r:id="rId46"/>
       <p:italic r:id="rId47"/>
@@ -80,14 +80,14 @@
       <p:boldItalic r:id="rId52"/>
     </p:embeddedFont>
     <p:embeddedFont>
-      <p:font typeface="Source Sans Pro" panose="020B0503030403020204" pitchFamily="34" charset="0"/>
+      <p:font typeface="Source Sans Pro" panose="020B0503030403020204" pitchFamily="34" charset="77"/>
       <p:regular r:id="rId53"/>
       <p:bold r:id="rId54"/>
       <p:italic r:id="rId55"/>
       <p:boldItalic r:id="rId56"/>
     </p:embeddedFont>
     <p:embeddedFont>
-      <p:font typeface="Source Sans Pro SemiBold" panose="020B0603030403020204" pitchFamily="34" charset="0"/>
+      <p:font typeface="Source Sans Pro SemiBold" panose="020B0503030403020204" pitchFamily="34" charset="77"/>
       <p:bold r:id="rId57"/>
       <p:boldItalic r:id="rId58"/>
     </p:embeddedFont>
@@ -449,7 +449,7 @@
           <a:p>
             <a:fld id="{5F1244B9-655E-9143-8F11-143B7EBD7CDE}" type="datetimeFigureOut">
               <a:rPr lang="en-US" smtClean="0"/>
-              <a:t>6/19/20</a:t>
+              <a:t>6/1/22</a:t>
             </a:fld>
             <a:endParaRPr lang="en-US"/>
           </a:p>
@@ -3440,6 +3440,14 @@
           <a:lstStyle/>
           <a:p>
             <a:pPr marL="0"/>
+            <a:r>
+              <a:rPr lang="en-US" dirty="0"/>
+              <a:t>Remember to update this slide with correct details for </a:t>
+            </a:r>
+            <a:r>
+              <a:rPr lang="en-US"/>
+              <a:t>your interview</a:t>
+            </a:r>
             <a:endParaRPr lang="en-US" dirty="0"/>
           </a:p>
         </p:txBody>
@@ -5825,7 +5833,7 @@
             <a:fld id="{42D41BD8-F932-40AA-8DAC-647898DB09A3}" type="datetime1">
               <a:rPr lang="en-US" smtClean="0"/>
               <a:pPr/>
-              <a:t>6/19/20</a:t>
+              <a:t>6/1/22</a:t>
             </a:fld>
             <a:endParaRPr lang="en-US" dirty="0"/>
           </a:p>
@@ -7710,7 +7718,7 @@
           <a:p>
             <a:r>
               <a:rPr lang="en-US" dirty="0"/>
-              <a:t>Attending happy hours together is fine.</a:t>
+              <a:t>Some contact is ok; for example, attending happy hours together is fine.</a:t>
             </a:r>
           </a:p>
           <a:p>
@@ -8919,6 +8927,31 @@
             </a:pPr>
             <a:r>
               <a:rPr lang="en-US" dirty="0"/>
+              <a:t>(Remember – evaluate the transcript, not the applicant’s answer)</a:t>
+            </a:r>
+          </a:p>
+          <a:p>
+            <a:pPr marL="0" indent="0">
+              <a:spcBef>
+                <a:spcPts val="0"/>
+              </a:spcBef>
+              <a:buClrTx/>
+              <a:buSzTx/>
+              <a:buNone/>
+            </a:pPr>
+            <a:endParaRPr lang="en-US" dirty="0"/>
+          </a:p>
+          <a:p>
+            <a:pPr marL="0" indent="0">
+              <a:spcBef>
+                <a:spcPts val="0"/>
+              </a:spcBef>
+              <a:buClrTx/>
+              <a:buSzTx/>
+              <a:buNone/>
+            </a:pPr>
+            <a:r>
+              <a:rPr lang="en-US" dirty="0"/>
               <a:t>Question: </a:t>
             </a:r>
             <a:r>
@@ -9078,8 +9111,53 @@
             </a:pPr>
             <a:r>
               <a:rPr lang="en-US" dirty="0"/>
-              <a:t>Candidate mentioned informing stakeholders</a:t>
-            </a:r>
+              <a:t>Candidate mentioned </a:t>
+            </a:r>
+            <a:r>
+              <a:rPr lang="en-US"/>
+              <a:t>informing leadership</a:t>
+            </a:r>
+            <a:endParaRPr lang="en-US" dirty="0"/>
+          </a:p>
+          <a:p>
+            <a:pPr marL="571500" marR="0" lvl="0" indent="-571500" defTabSz="914400" eaLnBrk="1" fontAlgn="auto" latinLnBrk="0" hangingPunct="1">
+              <a:lnSpc>
+                <a:spcPct val="100000"/>
+              </a:lnSpc>
+              <a:spcBef>
+                <a:spcPts val="0"/>
+              </a:spcBef>
+              <a:spcAft>
+                <a:spcPts val="0"/>
+              </a:spcAft>
+              <a:buClrTx/>
+              <a:buSzTx/>
+              <a:buFontTx/>
+              <a:buChar char="-"/>
+              <a:tabLst/>
+              <a:defRPr/>
+            </a:pPr>
+            <a:endParaRPr lang="en-US" dirty="0"/>
+          </a:p>
+          <a:p>
+            <a:pPr marL="571500" marR="0" lvl="0" indent="-571500" defTabSz="914400" eaLnBrk="1" fontAlgn="auto" latinLnBrk="0" hangingPunct="1">
+              <a:lnSpc>
+                <a:spcPct val="100000"/>
+              </a:lnSpc>
+              <a:spcBef>
+                <a:spcPts val="0"/>
+              </a:spcBef>
+              <a:spcAft>
+                <a:spcPts val="0"/>
+              </a:spcAft>
+              <a:buClrTx/>
+              <a:buSzTx/>
+              <a:buFontTx/>
+              <a:buChar char="-"/>
+              <a:tabLst/>
+              <a:defRPr/>
+            </a:pPr>
+            <a:endParaRPr lang="en-US" dirty="0"/>
           </a:p>
         </p:txBody>
       </p:sp>
@@ -12564,7 +12642,7 @@
                   <a:srgbClr val="454545"/>
                 </a:solidFill>
               </a:rPr>
-              <a:t>, second interviews {X}</a:t>
+              <a:t>, [if doing] second interviews {X}</a:t>
             </a:r>
             <a:r>
               <a:rPr lang="en-US" b="1" dirty="0">
@@ -12698,7 +12776,7 @@
         <p:spPr>
           <a:xfrm>
             <a:off x="1192063" y="1707688"/>
-            <a:ext cx="14956057" cy="3970318"/>
+            <a:ext cx="14956057" cy="5078313"/>
           </a:xfrm>
           <a:prstGeom prst="rect">
             <a:avLst/>
@@ -12744,7 +12822,7 @@
                 <a:cs typeface="Arial"/>
                 <a:sym typeface="Arial"/>
               </a:rPr>
-              <a:t>One on one interviews</a:t>
+              <a:t>One on one interviews [or panel if applicable]</a:t>
             </a:r>
           </a:p>
           <a:p>
@@ -12836,6 +12914,70 @@
               </a:rPr>
               <a:t> sure to confirms logistics of scheduling beforehand. </a:t>
             </a:r>
+          </a:p>
+          <a:p>
+            <a:pPr marL="593725" marR="0" lvl="0" indent="-571500" algn="l" defTabSz="914400" rtl="0" eaLnBrk="1" fontAlgn="auto" latinLnBrk="0" hangingPunct="1">
+              <a:lnSpc>
+                <a:spcPct val="100000"/>
+              </a:lnSpc>
+              <a:spcBef>
+                <a:spcPts val="0"/>
+              </a:spcBef>
+              <a:spcAft>
+                <a:spcPts val="0"/>
+              </a:spcAft>
+              <a:buClr>
+                <a:srgbClr val="000000"/>
+              </a:buClr>
+              <a:buSzTx/>
+              <a:buFont typeface="Arial" panose="020B0604020202020204" pitchFamily="34" charset="0"/>
+              <a:buChar char="•"/>
+              <a:tabLst/>
+              <a:defRPr/>
+            </a:pPr>
+            <a:endParaRPr lang="en-US" sz="3600" baseline="0" dirty="0">
+              <a:solidFill>
+                <a:srgbClr val="454545"/>
+              </a:solidFill>
+            </a:endParaRPr>
+          </a:p>
+          <a:p>
+            <a:pPr marL="593725" marR="0" lvl="0" indent="-571500" algn="l" defTabSz="914400" rtl="0" eaLnBrk="1" fontAlgn="auto" latinLnBrk="0" hangingPunct="1">
+              <a:lnSpc>
+                <a:spcPct val="100000"/>
+              </a:lnSpc>
+              <a:spcBef>
+                <a:spcPts val="0"/>
+              </a:spcBef>
+              <a:spcAft>
+                <a:spcPts val="0"/>
+              </a:spcAft>
+              <a:buClr>
+                <a:srgbClr val="000000"/>
+              </a:buClr>
+              <a:buSzTx/>
+              <a:buFont typeface="Arial" panose="020B0604020202020204" pitchFamily="34" charset="0"/>
+              <a:buChar char="•"/>
+              <a:tabLst/>
+              <a:defRPr/>
+            </a:pPr>
+            <a:r>
+              <a:rPr kumimoji="0" lang="en-US" sz="3600" b="0" i="0" u="none" strike="noStrike" kern="0" cap="none" spc="0" normalizeH="0" noProof="0" dirty="0">
+                <a:ln>
+                  <a:noFill/>
+                </a:ln>
+                <a:solidFill>
+                  <a:srgbClr val="454545"/>
+                </a:solidFill>
+                <a:effectLst/>
+                <a:uLnTx/>
+                <a:uFillTx/>
+                <a:latin typeface="Arial"/>
+                <a:cs typeface="Arial"/>
+                <a:sym typeface="Arial"/>
+              </a:rPr>
+              <a:t>You may have already been asked for your interviewer availability.</a:t>
+            </a:r>
             <a:endParaRPr kumimoji="0" lang="en-US" sz="3600" b="0" i="0" u="none" strike="noStrike" kern="0" cap="none" spc="0" normalizeH="0" baseline="0" noProof="0" dirty="0">
               <a:ln>
                 <a:noFill/>
@@ -12921,8 +13063,30 @@
                 <a:cs typeface="Arial"/>
                 <a:sym typeface="Arial"/>
               </a:rPr>
-              <a:t>[Name of POC] will mark your calendar with the confirmed interview. Once all interviews been scheduled with ‘interview 1’  or ‘interview 2’, you can release the rest of your calendar holds. </a:t>
-            </a:r>
+              <a:t>[Name of POC] will mark your calendar with the confirmed interview. </a:t>
+            </a:r>
+            <a:r>
+              <a:rPr lang="en-US" sz="3600" dirty="0">
+                <a:solidFill>
+                  <a:srgbClr val="454545"/>
+                </a:solidFill>
+              </a:rPr>
+              <a:t>Applicants may move interviews after being scheduled,  so please maintain your calendar holds until informed otherwise.</a:t>
+            </a:r>
+            <a:endParaRPr kumimoji="0" lang="en-US" sz="3600" b="0" i="0" u="none" strike="noStrike" kern="0" cap="none" spc="0" normalizeH="0" baseline="0" noProof="0" dirty="0">
+              <a:ln>
+                <a:noFill/>
+              </a:ln>
+              <a:solidFill>
+                <a:srgbClr val="454545"/>
+              </a:solidFill>
+              <a:effectLst/>
+              <a:uLnTx/>
+              <a:uFillTx/>
+              <a:latin typeface="Arial"/>
+              <a:cs typeface="Arial"/>
+              <a:sym typeface="Arial"/>
+            </a:endParaRPr>
           </a:p>
         </p:txBody>
       </p:sp>
@@ -13134,20 +13298,12 @@
               </a:rPr>
             </a:br>
             <a:r>
-              <a:rPr lang="en-US" sz="2700" b="1" dirty="0" err="1">
+              <a:rPr lang="en-US" sz="2700" b="1" dirty="0">
                 <a:solidFill>
                   <a:srgbClr val="000000"/>
                 </a:solidFill>
               </a:rPr>
-              <a:t>Question</a:t>
-            </a:r>
-            <a:r>
-              <a:rPr lang="en-US" sz="2700" b="1" dirty="0">
-                <a:solidFill>
-                  <a:srgbClr val="000000"/>
-                </a:solidFill>
-              </a:rPr>
-              <a:t> 1: </a:t>
+              <a:t>Question 1: </a:t>
             </a:r>
             <a:r>
               <a:rPr lang="en-US" sz="2700" b="1" i="1" dirty="0">
@@ -13177,7 +13333,7 @@
                   <a:srgbClr val="000000"/>
                 </a:solidFill>
               </a:rPr>
-              <a:t>	Tell me about a time you had to overcome a stakeholder challenge.</a:t>
+              <a:t>	Tell me about a time you had to overcome a challenge from a management decision.</a:t>
             </a:r>
             <a:br>
               <a:rPr lang="en-US" sz="2700" dirty="0">
@@ -13222,8 +13378,30 @@
                   <a:srgbClr val="000000"/>
                 </a:solidFill>
               </a:rPr>
-              <a:t>	In the same program or initiative, tell me about an organizational barrier you faced and how you handled it. </a:t>
-            </a:r>
+              <a:t>	In the same program or initiative, tell me about an organizational barrier you faced </a:t>
+            </a:r>
+            <a:br>
+              <a:rPr lang="en-US" sz="2700" dirty="0">
+                <a:solidFill>
+                  <a:srgbClr val="000000"/>
+                </a:solidFill>
+              </a:rPr>
+            </a:br>
+            <a:r>
+              <a:rPr lang="en-US" sz="2700" dirty="0">
+                <a:solidFill>
+                  <a:srgbClr val="000000"/>
+                </a:solidFill>
+              </a:rPr>
+              <a:t>	and how you handled it. </a:t>
+            </a:r>
+            <a:br>
+              <a:rPr lang="en-US" sz="2700" dirty="0">
+                <a:solidFill>
+                  <a:srgbClr val="000000"/>
+                </a:solidFill>
+              </a:rPr>
+            </a:br>
             <a:br>
               <a:rPr lang="en-US" sz="2700" dirty="0">
                 <a:solidFill>
